--- a/PA/8-bit_ALU_with verilog_HDL.pptx
+++ b/PA/8-bit_ALU_with verilog_HDL.pptx
@@ -29,7 +29,8 @@
     <p:sldId id="268" r:id="rId23"/>
     <p:sldId id="270" r:id="rId24"/>
     <p:sldId id="271" r:id="rId25"/>
-    <p:sldId id="269" r:id="rId26"/>
+    <p:sldId id="282" r:id="rId26"/>
+    <p:sldId id="269" r:id="rId27"/>
   </p:sldIdLst>
   <p:sldSz cx="12192000" cy="6858000"/>
   <p:notesSz cx="6858000" cy="9144000"/>
@@ -3576,256 +3577,6 @@
       </p:grpSpPr>
       <p:sp>
         <p:nvSpPr>
-          <p:cNvPr id="3" name="내용 개체 틀 2">
-            <a:extLst>
-              <a:ext uri="{FF2B5EF4-FFF2-40B4-BE49-F238E27FC236}">
-                <a16:creationId xmlns:a16="http://schemas.microsoft.com/office/drawing/2014/main" id="{C53D9476-7243-459D-93E5-B068EFCE0180}"/>
-              </a:ext>
-            </a:extLst>
-          </p:cNvPr>
-          <p:cNvSpPr txBox="1">
-            <a:spLocks/>
-          </p:cNvSpPr>
-          <p:nvPr/>
-        </p:nvSpPr>
-        <p:spPr>
-          <a:xfrm>
-            <a:off x="838200" y="1825625"/>
-            <a:ext cx="10515600" cy="4351338"/>
-          </a:xfrm>
-          <a:prstGeom prst="rect">
-            <a:avLst/>
-          </a:prstGeom>
-        </p:spPr>
-        <p:txBody>
-          <a:bodyPr/>
-          <a:lstStyle>
-            <a:lvl1pPr marL="228600" indent="-228600" algn="l" defTabSz="914400" rtl="0" eaLnBrk="1" latinLnBrk="1" hangingPunct="1">
-              <a:lnSpc>
-                <a:spcPct val="90000"/>
-              </a:lnSpc>
-              <a:spcBef>
-                <a:spcPts val="1000"/>
-              </a:spcBef>
-              <a:buFont typeface="Arial" panose="020B0604020202020204" pitchFamily="34" charset="0"/>
-              <a:buChar char="•"/>
-              <a:defRPr sz="2800" kern="1200">
-                <a:solidFill>
-                  <a:schemeClr val="tx1"/>
-                </a:solidFill>
-                <a:latin typeface="+mn-lt"/>
-                <a:ea typeface="+mn-ea"/>
-                <a:cs typeface="+mn-cs"/>
-              </a:defRPr>
-            </a:lvl1pPr>
-            <a:lvl2pPr marL="685800" indent="-228600" algn="l" defTabSz="914400" rtl="0" eaLnBrk="1" latinLnBrk="1" hangingPunct="1">
-              <a:lnSpc>
-                <a:spcPct val="90000"/>
-              </a:lnSpc>
-              <a:spcBef>
-                <a:spcPts val="500"/>
-              </a:spcBef>
-              <a:buFont typeface="Arial" panose="020B0604020202020204" pitchFamily="34" charset="0"/>
-              <a:buChar char="•"/>
-              <a:defRPr sz="2400" kern="1200">
-                <a:solidFill>
-                  <a:schemeClr val="tx1"/>
-                </a:solidFill>
-                <a:latin typeface="+mn-lt"/>
-                <a:ea typeface="+mn-ea"/>
-                <a:cs typeface="+mn-cs"/>
-              </a:defRPr>
-            </a:lvl2pPr>
-            <a:lvl3pPr marL="1143000" indent="-228600" algn="l" defTabSz="914400" rtl="0" eaLnBrk="1" latinLnBrk="1" hangingPunct="1">
-              <a:lnSpc>
-                <a:spcPct val="90000"/>
-              </a:lnSpc>
-              <a:spcBef>
-                <a:spcPts val="500"/>
-              </a:spcBef>
-              <a:buFont typeface="Arial" panose="020B0604020202020204" pitchFamily="34" charset="0"/>
-              <a:buChar char="•"/>
-              <a:defRPr sz="2000" kern="1200">
-                <a:solidFill>
-                  <a:schemeClr val="tx1"/>
-                </a:solidFill>
-                <a:latin typeface="+mn-lt"/>
-                <a:ea typeface="+mn-ea"/>
-                <a:cs typeface="+mn-cs"/>
-              </a:defRPr>
-            </a:lvl3pPr>
-            <a:lvl4pPr marL="1600200" indent="-228600" algn="l" defTabSz="914400" rtl="0" eaLnBrk="1" latinLnBrk="1" hangingPunct="1">
-              <a:lnSpc>
-                <a:spcPct val="90000"/>
-              </a:lnSpc>
-              <a:spcBef>
-                <a:spcPts val="500"/>
-              </a:spcBef>
-              <a:buFont typeface="Arial" panose="020B0604020202020204" pitchFamily="34" charset="0"/>
-              <a:buChar char="•"/>
-              <a:defRPr sz="1800" kern="1200">
-                <a:solidFill>
-                  <a:schemeClr val="tx1"/>
-                </a:solidFill>
-                <a:latin typeface="+mn-lt"/>
-                <a:ea typeface="+mn-ea"/>
-                <a:cs typeface="+mn-cs"/>
-              </a:defRPr>
-            </a:lvl4pPr>
-            <a:lvl5pPr marL="2057400" indent="-228600" algn="l" defTabSz="914400" rtl="0" eaLnBrk="1" latinLnBrk="1" hangingPunct="1">
-              <a:lnSpc>
-                <a:spcPct val="90000"/>
-              </a:lnSpc>
-              <a:spcBef>
-                <a:spcPts val="500"/>
-              </a:spcBef>
-              <a:buFont typeface="Arial" panose="020B0604020202020204" pitchFamily="34" charset="0"/>
-              <a:buChar char="•"/>
-              <a:defRPr sz="1800" kern="1200">
-                <a:solidFill>
-                  <a:schemeClr val="tx1"/>
-                </a:solidFill>
-                <a:latin typeface="+mn-lt"/>
-                <a:ea typeface="+mn-ea"/>
-                <a:cs typeface="+mn-cs"/>
-              </a:defRPr>
-            </a:lvl5pPr>
-            <a:lvl6pPr marL="2514600" indent="-228600" algn="l" defTabSz="914400" rtl="0" eaLnBrk="1" latinLnBrk="1" hangingPunct="1">
-              <a:lnSpc>
-                <a:spcPct val="90000"/>
-              </a:lnSpc>
-              <a:spcBef>
-                <a:spcPts val="500"/>
-              </a:spcBef>
-              <a:buFont typeface="Arial" panose="020B0604020202020204" pitchFamily="34" charset="0"/>
-              <a:buChar char="•"/>
-              <a:defRPr sz="1800" kern="1200">
-                <a:solidFill>
-                  <a:schemeClr val="tx1"/>
-                </a:solidFill>
-                <a:latin typeface="+mn-lt"/>
-                <a:ea typeface="+mn-ea"/>
-                <a:cs typeface="+mn-cs"/>
-              </a:defRPr>
-            </a:lvl6pPr>
-            <a:lvl7pPr marL="2971800" indent="-228600" algn="l" defTabSz="914400" rtl="0" eaLnBrk="1" latinLnBrk="1" hangingPunct="1">
-              <a:lnSpc>
-                <a:spcPct val="90000"/>
-              </a:lnSpc>
-              <a:spcBef>
-                <a:spcPts val="500"/>
-              </a:spcBef>
-              <a:buFont typeface="Arial" panose="020B0604020202020204" pitchFamily="34" charset="0"/>
-              <a:buChar char="•"/>
-              <a:defRPr sz="1800" kern="1200">
-                <a:solidFill>
-                  <a:schemeClr val="tx1"/>
-                </a:solidFill>
-                <a:latin typeface="+mn-lt"/>
-                <a:ea typeface="+mn-ea"/>
-                <a:cs typeface="+mn-cs"/>
-              </a:defRPr>
-            </a:lvl7pPr>
-            <a:lvl8pPr marL="3429000" indent="-228600" algn="l" defTabSz="914400" rtl="0" eaLnBrk="1" latinLnBrk="1" hangingPunct="1">
-              <a:lnSpc>
-                <a:spcPct val="90000"/>
-              </a:lnSpc>
-              <a:spcBef>
-                <a:spcPts val="500"/>
-              </a:spcBef>
-              <a:buFont typeface="Arial" panose="020B0604020202020204" pitchFamily="34" charset="0"/>
-              <a:buChar char="•"/>
-              <a:defRPr sz="1800" kern="1200">
-                <a:solidFill>
-                  <a:schemeClr val="tx1"/>
-                </a:solidFill>
-                <a:latin typeface="+mn-lt"/>
-                <a:ea typeface="+mn-ea"/>
-                <a:cs typeface="+mn-cs"/>
-              </a:defRPr>
-            </a:lvl8pPr>
-            <a:lvl9pPr marL="3886200" indent="-228600" algn="l" defTabSz="914400" rtl="0" eaLnBrk="1" latinLnBrk="1" hangingPunct="1">
-              <a:lnSpc>
-                <a:spcPct val="90000"/>
-              </a:lnSpc>
-              <a:spcBef>
-                <a:spcPts val="500"/>
-              </a:spcBef>
-              <a:buFont typeface="Arial" panose="020B0604020202020204" pitchFamily="34" charset="0"/>
-              <a:buChar char="•"/>
-              <a:defRPr sz="1800" kern="1200">
-                <a:solidFill>
-                  <a:schemeClr val="tx1"/>
-                </a:solidFill>
-                <a:latin typeface="+mn-lt"/>
-                <a:ea typeface="+mn-ea"/>
-                <a:cs typeface="+mn-cs"/>
-              </a:defRPr>
-            </a:lvl9pPr>
-          </a:lstStyle>
-          <a:p>
-            <a:r>
-              <a:rPr lang="en-US" altLang="ko-KR">
-                <a:latin typeface="Arial" panose="020B0604020202020204" pitchFamily="34" charset="0"/>
-                <a:cs typeface="Arial" panose="020B0604020202020204" pitchFamily="34" charset="0"/>
-              </a:rPr>
-              <a:t>How to implement 8 bit subtraction : by using addition with 2’s complement.</a:t>
-            </a:r>
-          </a:p>
-          <a:p>
-            <a:endParaRPr lang="en-US" altLang="ko-KR">
-              <a:latin typeface="Arial" panose="020B0604020202020204" pitchFamily="34" charset="0"/>
-              <a:cs typeface="Arial" panose="020B0604020202020204" pitchFamily="34" charset="0"/>
-            </a:endParaRPr>
-          </a:p>
-          <a:p>
-            <a:r>
-              <a:rPr lang="en-US" altLang="ko-KR">
-                <a:latin typeface="Arial" panose="020B0604020202020204" pitchFamily="34" charset="0"/>
-                <a:cs typeface="Arial" panose="020B0604020202020204" pitchFamily="34" charset="0"/>
-              </a:rPr>
-              <a:t>Idea</a:t>
-            </a:r>
-          </a:p>
-          <a:p>
-            <a:endParaRPr lang="en-US" altLang="ko-KR">
-              <a:latin typeface="Arial" panose="020B0604020202020204" pitchFamily="34" charset="0"/>
-              <a:cs typeface="Arial" panose="020B0604020202020204" pitchFamily="34" charset="0"/>
-            </a:endParaRPr>
-          </a:p>
-          <a:p>
-            <a:pPr marL="0" indent="0">
-              <a:buFont typeface="Arial" panose="020B0604020202020204" pitchFamily="34" charset="0"/>
-              <a:buNone/>
-            </a:pPr>
-            <a:r>
-              <a:rPr lang="en-US" altLang="ko-KR">
-                <a:latin typeface="Arial" panose="020B0604020202020204" pitchFamily="34" charset="0"/>
-                <a:cs typeface="Arial" panose="020B0604020202020204" pitchFamily="34" charset="0"/>
-              </a:rPr>
-              <a:t>2’s complement(module two_comple) -&gt; full adder(module subtractor)</a:t>
-            </a:r>
-          </a:p>
-          <a:p>
-            <a:pPr marL="0" indent="0">
-              <a:buFont typeface="Arial" panose="020B0604020202020204" pitchFamily="34" charset="0"/>
-              <a:buNone/>
-            </a:pPr>
-            <a:endParaRPr lang="en-US" altLang="ko-KR">
-              <a:latin typeface="Arial" panose="020B0604020202020204" pitchFamily="34" charset="0"/>
-              <a:cs typeface="Arial" panose="020B0604020202020204" pitchFamily="34" charset="0"/>
-            </a:endParaRPr>
-          </a:p>
-          <a:p>
-            <a:endParaRPr lang="ko-KR" altLang="en-US" dirty="0">
-              <a:latin typeface="Arial" panose="020B0604020202020204" pitchFamily="34" charset="0"/>
-              <a:cs typeface="Arial" panose="020B0604020202020204" pitchFamily="34" charset="0"/>
-            </a:endParaRPr>
-          </a:p>
-        </p:txBody>
-      </p:sp>
-      <p:sp>
-        <p:nvSpPr>
           <p:cNvPr id="4" name="제목 1">
             <a:extLst>
               <a:ext uri="{FF2B5EF4-FFF2-40B4-BE49-F238E27FC236}">
@@ -3874,7 +3625,7 @@
                 <a:latin typeface="Arial" panose="020B0604020202020204" pitchFamily="34" charset="0"/>
                 <a:cs typeface="Arial" panose="020B0604020202020204" pitchFamily="34" charset="0"/>
               </a:rPr>
-              <a:t>Subtraction</a:t>
+              <a:t>Subtraction - Idea</a:t>
             </a:r>
             <a:endParaRPr lang="ko-KR" altLang="en-US" dirty="0">
               <a:latin typeface="Arial" panose="020B0604020202020204" pitchFamily="34" charset="0"/>
@@ -3926,6 +3677,48 @@
           </a:fontRef>
         </p:style>
       </p:cxnSp>
+      <p:sp>
+        <p:nvSpPr>
+          <p:cNvPr id="2" name="TextBox 1">
+            <a:extLst>
+              <a:ext uri="{FF2B5EF4-FFF2-40B4-BE49-F238E27FC236}">
+                <a16:creationId xmlns:a16="http://schemas.microsoft.com/office/drawing/2014/main" id="{755548B1-B729-4916-9D69-C571A666C8AB}"/>
+              </a:ext>
+            </a:extLst>
+          </p:cNvPr>
+          <p:cNvSpPr txBox="1"/>
+          <p:nvPr/>
+        </p:nvSpPr>
+        <p:spPr>
+          <a:xfrm>
+            <a:off x="1055694" y="3105834"/>
+            <a:ext cx="3493200" cy="646331"/>
+          </a:xfrm>
+          <a:prstGeom prst="rect">
+            <a:avLst/>
+          </a:prstGeom>
+          <a:noFill/>
+        </p:spPr>
+        <p:txBody>
+          <a:bodyPr wrap="none" rtlCol="0">
+            <a:spAutoFit/>
+          </a:bodyPr>
+          <a:lstStyle/>
+          <a:p>
+            <a:r>
+              <a:rPr lang="en-US" altLang="ko-KR" sz="3600" b="1" dirty="0">
+                <a:latin typeface="Arial" panose="020B0604020202020204" pitchFamily="34" charset="0"/>
+                <a:cs typeface="Arial" panose="020B0604020202020204" pitchFamily="34" charset="0"/>
+              </a:rPr>
+              <a:t>A – B = A + (-B)</a:t>
+            </a:r>
+            <a:endParaRPr lang="ko-KR" altLang="en-US" sz="3600" b="1" dirty="0">
+              <a:latin typeface="Arial" panose="020B0604020202020204" pitchFamily="34" charset="0"/>
+              <a:cs typeface="Arial" panose="020B0604020202020204" pitchFamily="34" charset="0"/>
+            </a:endParaRPr>
+          </a:p>
+        </p:txBody>
+      </p:sp>
     </p:spTree>
     <p:extLst>
       <p:ext uri="{BB962C8B-B14F-4D97-AF65-F5344CB8AC3E}">
@@ -14733,7 +14526,7 @@
                 <a:latin typeface="Arial" panose="020B0604020202020204" pitchFamily="34" charset="0"/>
                 <a:cs typeface="Arial" panose="020B0604020202020204" pitchFamily="34" charset="0"/>
               </a:rPr>
-              <a:t>S</a:t>
+              <a:t>R</a:t>
             </a:r>
             <a:endParaRPr lang="ko-KR" altLang="en-US" sz="2400" b="1" dirty="0">
               <a:latin typeface="Arial" panose="020B0604020202020204" pitchFamily="34" charset="0"/>
@@ -14775,7 +14568,7 @@
                 <a:latin typeface="Arial" panose="020B0604020202020204" pitchFamily="34" charset="0"/>
                 <a:cs typeface="Arial" panose="020B0604020202020204" pitchFamily="34" charset="0"/>
               </a:rPr>
-              <a:t>R</a:t>
+              <a:t>S</a:t>
             </a:r>
             <a:endParaRPr lang="ko-KR" altLang="en-US" sz="2400" b="1" dirty="0">
               <a:latin typeface="Arial" panose="020B0604020202020204" pitchFamily="34" charset="0"/>
@@ -23815,6 +23608,199 @@
           <a:chExt cx="0" cy="0"/>
         </a:xfrm>
       </p:grpSpPr>
+      <p:sp>
+        <p:nvSpPr>
+          <p:cNvPr id="6" name="제목 5">
+            <a:extLst>
+              <a:ext uri="{FF2B5EF4-FFF2-40B4-BE49-F238E27FC236}">
+                <a16:creationId xmlns:a16="http://schemas.microsoft.com/office/drawing/2014/main" id="{7066E43A-5C1A-448C-9FD8-78B19E205F70}"/>
+              </a:ext>
+            </a:extLst>
+          </p:cNvPr>
+          <p:cNvSpPr txBox="1">
+            <a:spLocks/>
+          </p:cNvSpPr>
+          <p:nvPr/>
+        </p:nvSpPr>
+        <p:spPr>
+          <a:xfrm>
+            <a:off x="0" y="385763"/>
+            <a:ext cx="8574638" cy="1115915"/>
+          </a:xfrm>
+          <a:prstGeom prst="rect">
+            <a:avLst/>
+          </a:prstGeom>
+        </p:spPr>
+        <p:txBody>
+          <a:bodyPr/>
+          <a:lstStyle>
+            <a:lvl1pPr algn="l" defTabSz="914400" rtl="0" eaLnBrk="1" latinLnBrk="1" hangingPunct="1">
+              <a:lnSpc>
+                <a:spcPct val="90000"/>
+              </a:lnSpc>
+              <a:spcBef>
+                <a:spcPct val="0"/>
+              </a:spcBef>
+              <a:buNone/>
+              <a:defRPr sz="4400" kern="1200">
+                <a:solidFill>
+                  <a:schemeClr val="tx1"/>
+                </a:solidFill>
+                <a:latin typeface="+mj-lt"/>
+                <a:ea typeface="+mj-ea"/>
+                <a:cs typeface="+mj-cs"/>
+              </a:defRPr>
+            </a:lvl1pPr>
+          </a:lstStyle>
+          <a:p>
+            <a:pPr algn="ctr"/>
+            <a:r>
+              <a:rPr lang="en-US" altLang="ko-KR" dirty="0">
+                <a:latin typeface="Arial" panose="020B0604020202020204" pitchFamily="34" charset="0"/>
+                <a:cs typeface="Arial" panose="020B0604020202020204" pitchFamily="34" charset="0"/>
+              </a:rPr>
+              <a:t>ALU – Code implementation</a:t>
+            </a:r>
+            <a:endParaRPr lang="ko-KR" altLang="en-US" dirty="0">
+              <a:latin typeface="Arial" panose="020B0604020202020204" pitchFamily="34" charset="0"/>
+              <a:cs typeface="Arial" panose="020B0604020202020204" pitchFamily="34" charset="0"/>
+            </a:endParaRPr>
+          </a:p>
+        </p:txBody>
+      </p:sp>
+      <p:cxnSp>
+        <p:nvCxnSpPr>
+          <p:cNvPr id="7" name="직선 연결선 6">
+            <a:extLst>
+              <a:ext uri="{FF2B5EF4-FFF2-40B4-BE49-F238E27FC236}">
+                <a16:creationId xmlns:a16="http://schemas.microsoft.com/office/drawing/2014/main" id="{36C8555A-0F2D-48A9-BE0F-74FE21FC4261}"/>
+              </a:ext>
+            </a:extLst>
+          </p:cNvPr>
+          <p:cNvCxnSpPr>
+            <a:cxnSpLocks/>
+          </p:cNvCxnSpPr>
+          <p:nvPr/>
+        </p:nvCxnSpPr>
+        <p:spPr>
+          <a:xfrm>
+            <a:off x="0" y="1343608"/>
+            <a:ext cx="12192000" cy="0"/>
+          </a:xfrm>
+          <a:prstGeom prst="line">
+            <a:avLst/>
+          </a:prstGeom>
+          <a:ln w="12700">
+            <a:solidFill>
+              <a:schemeClr val="accent6"/>
+            </a:solidFill>
+          </a:ln>
+        </p:spPr>
+        <p:style>
+          <a:lnRef idx="1">
+            <a:schemeClr val="accent1"/>
+          </a:lnRef>
+          <a:fillRef idx="0">
+            <a:schemeClr val="accent1"/>
+          </a:fillRef>
+          <a:effectRef idx="0">
+            <a:schemeClr val="accent1"/>
+          </a:effectRef>
+          <a:fontRef idx="minor">
+            <a:schemeClr val="tx1"/>
+          </a:fontRef>
+        </p:style>
+      </p:cxnSp>
+      <p:pic>
+        <p:nvPicPr>
+          <p:cNvPr id="11" name="그림 10">
+            <a:extLst>
+              <a:ext uri="{FF2B5EF4-FFF2-40B4-BE49-F238E27FC236}">
+                <a16:creationId xmlns:a16="http://schemas.microsoft.com/office/drawing/2014/main" id="{65E6AC19-B957-48B8-80D7-8B96E6AEDD3B}"/>
+              </a:ext>
+            </a:extLst>
+          </p:cNvPr>
+          <p:cNvPicPr>
+            <a:picLocks noChangeAspect="1"/>
+          </p:cNvPicPr>
+          <p:nvPr/>
+        </p:nvPicPr>
+        <p:blipFill>
+          <a:blip r:embed="rId2"/>
+          <a:stretch>
+            <a:fillRect/>
+          </a:stretch>
+        </p:blipFill>
+        <p:spPr>
+          <a:xfrm>
+            <a:off x="823204" y="1782461"/>
+            <a:ext cx="3702143" cy="4689776"/>
+          </a:xfrm>
+          <a:prstGeom prst="rect">
+            <a:avLst/>
+          </a:prstGeom>
+        </p:spPr>
+      </p:pic>
+      <p:pic>
+        <p:nvPicPr>
+          <p:cNvPr id="13" name="그림 12">
+            <a:extLst>
+              <a:ext uri="{FF2B5EF4-FFF2-40B4-BE49-F238E27FC236}">
+                <a16:creationId xmlns:a16="http://schemas.microsoft.com/office/drawing/2014/main" id="{E205E493-02B5-43C3-831D-EA6B643CB499}"/>
+              </a:ext>
+            </a:extLst>
+          </p:cNvPr>
+          <p:cNvPicPr>
+            <a:picLocks noChangeAspect="1"/>
+          </p:cNvPicPr>
+          <p:nvPr/>
+        </p:nvPicPr>
+        <p:blipFill>
+          <a:blip r:embed="rId3"/>
+          <a:stretch>
+            <a:fillRect/>
+          </a:stretch>
+        </p:blipFill>
+        <p:spPr>
+          <a:xfrm>
+            <a:off x="6820678" y="1782461"/>
+            <a:ext cx="3452325" cy="4689774"/>
+          </a:xfrm>
+          <a:prstGeom prst="rect">
+            <a:avLst/>
+          </a:prstGeom>
+        </p:spPr>
+      </p:pic>
+    </p:spTree>
+    <p:extLst>
+      <p:ext uri="{BB962C8B-B14F-4D97-AF65-F5344CB8AC3E}">
+        <p14:creationId xmlns:p14="http://schemas.microsoft.com/office/powerpoint/2010/main" val="4063819945"/>
+      </p:ext>
+    </p:extLst>
+  </p:cSld>
+  <p:clrMapOvr>
+    <a:masterClrMapping/>
+  </p:clrMapOvr>
+</p:sld>
+</file>
+
+<file path=ppt/slides/slide26.xml><?xml version="1.0" encoding="utf-8"?>
+<p:sld xmlns:a="http://schemas.openxmlformats.org/drawingml/2006/main" xmlns:r="http://schemas.openxmlformats.org/officeDocument/2006/relationships" xmlns:p="http://schemas.openxmlformats.org/presentationml/2006/main">
+  <p:cSld>
+    <p:spTree>
+      <p:nvGrpSpPr>
+        <p:cNvPr id="1" name=""/>
+        <p:cNvGrpSpPr/>
+        <p:nvPr/>
+      </p:nvGrpSpPr>
+      <p:grpSpPr>
+        <a:xfrm>
+          <a:off x="0" y="0"/>
+          <a:ext cx="0" cy="0"/>
+          <a:chOff x="0" y="0"/>
+          <a:chExt cx="0" cy="0"/>
+        </a:xfrm>
+      </p:grpSpPr>
       <p:grpSp>
         <p:nvGrpSpPr>
           <p:cNvPr id="45" name="그룹 44">
